--- a/LB_7/ЛБ_07.pptx
+++ b/LB_7/ЛБ_07.pptx
@@ -121,7 +121,7 @@
   </p:defaultTextStyle>
   <p:extLst>
     <p:ext uri="{EFAFB233-063F-42B5-8137-9DF3F51BA10A}">
-      <p15:sldGuideLst xmlns:p15="http://schemas.microsoft.com/office/powerpoint/2012/main">
+      <p15:sldGuideLst xmlns:p15="http://schemas.microsoft.com/office/powerpoint/2012/main" xmlns="">
         <p15:guide id="1" orient="horz" pos="2160">
           <p15:clr>
             <a:srgbClr val="A4A3A4"/>
@@ -220,7 +220,7 @@
           <a:p>
             <a:fld id="{3A960DF9-DE47-4E4A-B265-34572ADD54FA}" type="datetimeFigureOut">
               <a:rPr lang="ru-RU" smtClean="0"/>
-              <a:t>21.03.2020</a:t>
+              <a:t>24.03.2020</a:t>
             </a:fld>
             <a:endParaRPr lang="ru-RU"/>
           </a:p>
@@ -1374,7 +1374,7 @@
           <a:p>
             <a:fld id="{6BFE5147-043A-4B0D-87E8-D7683060DE87}" type="datetime1">
               <a:rPr lang="ru-RU" smtClean="0"/>
-              <a:t>21.03.2020</a:t>
+              <a:t>24.03.2020</a:t>
             </a:fld>
             <a:endParaRPr lang="ru-RU"/>
           </a:p>
@@ -1544,7 +1544,7 @@
           <a:p>
             <a:fld id="{37C1EF44-ED26-43E0-BA3A-D9DEE8A63013}" type="datetime1">
               <a:rPr lang="ru-RU" smtClean="0"/>
-              <a:t>21.03.2020</a:t>
+              <a:t>24.03.2020</a:t>
             </a:fld>
             <a:endParaRPr lang="ru-RU"/>
           </a:p>
@@ -1724,7 +1724,7 @@
           <a:p>
             <a:fld id="{7DA820EB-6145-4D68-ABFE-B4C93F0A68CC}" type="datetime1">
               <a:rPr lang="ru-RU" smtClean="0"/>
-              <a:t>21.03.2020</a:t>
+              <a:t>24.03.2020</a:t>
             </a:fld>
             <a:endParaRPr lang="ru-RU"/>
           </a:p>
@@ -1894,7 +1894,7 @@
           <a:p>
             <a:fld id="{4B0FC6FE-F15A-46A7-8A22-8F05E9027412}" type="datetime1">
               <a:rPr lang="ru-RU" smtClean="0"/>
-              <a:t>21.03.2020</a:t>
+              <a:t>24.03.2020</a:t>
             </a:fld>
             <a:endParaRPr lang="ru-RU"/>
           </a:p>
@@ -2152,7 +2152,7 @@
           <a:p>
             <a:fld id="{CBE828BE-4D9E-48CA-A3CE-8899A6EE9C42}" type="datetime1">
               <a:rPr lang="ru-RU" smtClean="0"/>
-              <a:t>21.03.2020</a:t>
+              <a:t>24.03.2020</a:t>
             </a:fld>
             <a:endParaRPr lang="ru-RU"/>
           </a:p>
@@ -2384,7 +2384,7 @@
           <a:p>
             <a:fld id="{05EA80A6-BEB7-4A57-B257-1C77AC2D22BE}" type="datetime1">
               <a:rPr lang="ru-RU" smtClean="0"/>
-              <a:t>21.03.2020</a:t>
+              <a:t>24.03.2020</a:t>
             </a:fld>
             <a:endParaRPr lang="ru-RU"/>
           </a:p>
@@ -2751,7 +2751,7 @@
           <a:p>
             <a:fld id="{7099FE4B-3362-4A16-9422-9B9869F3D300}" type="datetime1">
               <a:rPr lang="ru-RU" smtClean="0"/>
-              <a:t>21.03.2020</a:t>
+              <a:t>24.03.2020</a:t>
             </a:fld>
             <a:endParaRPr lang="ru-RU"/>
           </a:p>
@@ -2869,7 +2869,7 @@
           <a:p>
             <a:fld id="{E5419F88-6F7E-4542-9CF1-B5871133C13B}" type="datetime1">
               <a:rPr lang="ru-RU" smtClean="0"/>
-              <a:t>21.03.2020</a:t>
+              <a:t>24.03.2020</a:t>
             </a:fld>
             <a:endParaRPr lang="ru-RU"/>
           </a:p>
@@ -2964,7 +2964,7 @@
           <a:p>
             <a:fld id="{8D9901B3-E0AA-4832-A619-A1DD3A267C28}" type="datetime1">
               <a:rPr lang="ru-RU" smtClean="0"/>
-              <a:t>21.03.2020</a:t>
+              <a:t>24.03.2020</a:t>
             </a:fld>
             <a:endParaRPr lang="ru-RU"/>
           </a:p>
@@ -3241,7 +3241,7 @@
           <a:p>
             <a:fld id="{2E501ED4-C4CE-42B7-A79E-972CCAA488CB}" type="datetime1">
               <a:rPr lang="ru-RU" smtClean="0"/>
-              <a:t>21.03.2020</a:t>
+              <a:t>24.03.2020</a:t>
             </a:fld>
             <a:endParaRPr lang="ru-RU"/>
           </a:p>
@@ -3498,7 +3498,7 @@
           <a:p>
             <a:fld id="{9B55F623-2FEB-48C0-B44D-6550A9DB8F24}" type="datetime1">
               <a:rPr lang="ru-RU" smtClean="0"/>
-              <a:t>21.03.2020</a:t>
+              <a:t>24.03.2020</a:t>
             </a:fld>
             <a:endParaRPr lang="ru-RU"/>
           </a:p>
@@ -3711,7 +3711,7 @@
           <a:p>
             <a:fld id="{C8A12151-9994-4648-89BE-23843A06C76F}" type="datetime1">
               <a:rPr lang="ru-RU" smtClean="0"/>
-              <a:t>21.03.2020</a:t>
+              <a:t>24.03.2020</a:t>
             </a:fld>
             <a:endParaRPr lang="ru-RU"/>
           </a:p>
@@ -11319,7 +11319,7 @@
           <a:graphicData uri="http://schemas.openxmlformats.org/presentationml/2006/ole">
             <mc:AlternateContent xmlns:mc="http://schemas.openxmlformats.org/markup-compatibility/2006">
               <mc:Choice xmlns:v="urn:schemas-microsoft-com:vml" Requires="v">
-                <p:oleObj spid="_x0000_s6199" name="Equation" r:id="rId4" imgW="1790640" imgH="330120" progId="Equation.DSMT4">
+                <p:oleObj spid="_x0000_s6200" name="Equation" r:id="rId4" imgW="1790640" imgH="330120" progId="Equation.DSMT4">
                   <p:embed/>
                 </p:oleObj>
               </mc:Choice>
@@ -11359,7 +11359,7 @@
           <p:cNvPr id="6" name="TextBox 5">
             <a:extLst>
               <a:ext uri="{FF2B5EF4-FFF2-40B4-BE49-F238E27FC236}">
-                <a16:creationId xmlns:a16="http://schemas.microsoft.com/office/drawing/2014/main" id="{3A504591-74D6-4DC5-BCB5-258DE13EE3A8}"/>
+                <a16:creationId xmlns:a16="http://schemas.microsoft.com/office/drawing/2014/main" xmlns="" id="{3A504591-74D6-4DC5-BCB5-258DE13EE3A8}"/>
               </a:ext>
             </a:extLst>
           </p:cNvPr>
@@ -14968,7 +14968,7 @@
           <a:graphicData uri="http://schemas.openxmlformats.org/presentationml/2006/ole">
             <mc:AlternateContent xmlns:mc="http://schemas.openxmlformats.org/markup-compatibility/2006">
               <mc:Choice xmlns:v="urn:schemas-microsoft-com:vml" Requires="v">
-                <p:oleObj spid="_x0000_s7222" name="Equation" r:id="rId4" imgW="2209680" imgH="787320" progId="Equation.DSMT4">
+                <p:oleObj spid="_x0000_s7223" name="Equation" r:id="rId4" imgW="2209680" imgH="787320" progId="Equation.DSMT4">
                   <p:embed/>
                 </p:oleObj>
               </mc:Choice>
@@ -18710,7 +18710,7 @@
           <a:graphicData uri="http://schemas.openxmlformats.org/presentationml/2006/ole">
             <mc:AlternateContent xmlns:mc="http://schemas.openxmlformats.org/markup-compatibility/2006">
               <mc:Choice xmlns:v="urn:schemas-microsoft-com:vml" Requires="v">
-                <p:oleObj spid="_x0000_s8243" name="Equation" r:id="rId4" imgW="1777680" imgH="1295280" progId="Equation.DSMT4">
+                <p:oleObj spid="_x0000_s8244" name="Equation" r:id="rId4" imgW="1777680" imgH="1295280" progId="Equation.DSMT4">
                   <p:embed/>
                 </p:oleObj>
               </mc:Choice>
@@ -22374,7 +22374,7 @@
           <a:graphicData uri="http://schemas.openxmlformats.org/presentationml/2006/ole">
             <mc:AlternateContent xmlns:mc="http://schemas.openxmlformats.org/markup-compatibility/2006">
               <mc:Choice xmlns:v="urn:schemas-microsoft-com:vml" Requires="v">
-                <p:oleObj spid="_x0000_s9262" name="Equation" r:id="rId4" imgW="2145960" imgH="2184120" progId="Equation.DSMT4">
+                <p:oleObj spid="_x0000_s9263" name="Equation" r:id="rId4" imgW="2145960" imgH="2184120" progId="Equation.DSMT4">
                   <p:embed/>
                 </p:oleObj>
               </mc:Choice>
@@ -37239,7 +37239,7 @@
           <a:graphicData uri="http://schemas.openxmlformats.org/presentationml/2006/ole">
             <mc:AlternateContent xmlns:mc="http://schemas.openxmlformats.org/markup-compatibility/2006">
               <mc:Choice xmlns:v="urn:schemas-microsoft-com:vml" Requires="v">
-                <p:oleObj spid="_x0000_s2123" name="Equation" r:id="rId4" imgW="2311200" imgH="482400" progId="Equation.DSMT4">
+                <p:oleObj spid="_x0000_s2124" name="Equation" r:id="rId4" imgW="2311200" imgH="482400" progId="Equation.DSMT4">
                   <p:embed/>
                 </p:oleObj>
               </mc:Choice>
@@ -40626,8 +40626,8 @@
           </a:p>
         </p:txBody>
       </p:sp>
-      <mc:AlternateContent xmlns:mc="http://schemas.openxmlformats.org/markup-compatibility/2006">
-        <mc:Choice xmlns:a14="http://schemas.microsoft.com/office/drawing/2010/main" Requires="a14">
+      <mc:AlternateContent xmlns:mc="http://schemas.openxmlformats.org/markup-compatibility/2006" xmlns:a14="http://schemas.microsoft.com/office/drawing/2010/main">
+        <mc:Choice Requires="a14">
           <p:sp>
             <p:nvSpPr>
               <p:cNvPr id="6" name="TextBox 5"/>
@@ -40679,7 +40679,7 @@
                         <m:dPr>
                           <m:ctrlPr>
                             <a:rPr lang="en-US" sz="2000" b="0" i="1" smtClean="0">
-                              <a:latin typeface="Cambria Math" panose="02040503050406030204" pitchFamily="18" charset="0"/>
+                              <a:latin typeface="Cambria Math"/>
                             </a:rPr>
                           </m:ctrlPr>
                         </m:dPr>
@@ -40688,7 +40688,7 @@
                             <m:fPr>
                               <m:ctrlPr>
                                 <a:rPr lang="en-US" sz="2000" b="0" i="1" smtClean="0">
-                                  <a:latin typeface="Cambria Math" panose="02040503050406030204" pitchFamily="18" charset="0"/>
+                                  <a:latin typeface="Cambria Math"/>
                                 </a:rPr>
                               </m:ctrlPr>
                             </m:fPr>
@@ -40710,7 +40710,7 @@
                                 <m:sSupPr>
                                   <m:ctrlPr>
                                     <a:rPr lang="en-US" sz="2000" b="0" i="1" smtClean="0">
-                                      <a:latin typeface="Cambria Math" panose="02040503050406030204" pitchFamily="18" charset="0"/>
+                                      <a:latin typeface="Cambria Math"/>
                                       <a:ea typeface="Cambria Math" panose="02040503050406030204" pitchFamily="18" charset="0"/>
                                     </a:rPr>
                                   </m:ctrlPr>
@@ -40769,7 +40769,7 @@
                         <m:sSupPr>
                           <m:ctrlPr>
                             <a:rPr lang="en-US" sz="2000" i="1">
-                              <a:latin typeface="Cambria Math" panose="02040503050406030204" pitchFamily="18" charset="0"/>
+                              <a:latin typeface="Cambria Math"/>
                               <a:ea typeface="Cambria Math" panose="02040503050406030204" pitchFamily="18" charset="0"/>
                             </a:rPr>
                           </m:ctrlPr>
@@ -40804,7 +40804,7 @@
                         <m:sSupPr>
                           <m:ctrlPr>
                             <a:rPr lang="en-US" sz="2000" i="1" smtClean="0">
-                              <a:latin typeface="Cambria Math" panose="02040503050406030204" pitchFamily="18" charset="0"/>
+                              <a:latin typeface="Cambria Math"/>
                               <a:ea typeface="Cambria Math" panose="02040503050406030204" pitchFamily="18" charset="0"/>
                             </a:rPr>
                           </m:ctrlPr>
@@ -40814,7 +40814,7 @@
                             <m:dPr>
                               <m:ctrlPr>
                                 <a:rPr lang="en-US" sz="2000" i="1" smtClean="0">
-                                  <a:latin typeface="Cambria Math" panose="02040503050406030204" pitchFamily="18" charset="0"/>
+                                  <a:latin typeface="Cambria Math"/>
                                   <a:ea typeface="Cambria Math" panose="02040503050406030204" pitchFamily="18" charset="0"/>
                                 </a:rPr>
                               </m:ctrlPr>
@@ -40842,7 +40842,7 @@
                             <m:dPr>
                               <m:ctrlPr>
                                 <a:rPr lang="en-US" sz="2000" i="1" smtClean="0">
-                                  <a:latin typeface="Cambria Math" panose="02040503050406030204" pitchFamily="18" charset="0"/>
+                                  <a:latin typeface="Cambria Math"/>
                                   <a:ea typeface="Cambria Math" panose="02040503050406030204" pitchFamily="18" charset="0"/>
                                 </a:rPr>
                               </m:ctrlPr>
@@ -40860,7 +40860,7 @@
                                   <m:degHide m:val="on"/>
                                   <m:ctrlPr>
                                     <a:rPr lang="en-US" sz="2000" b="0" i="1" smtClean="0">
-                                      <a:latin typeface="Cambria Math" panose="02040503050406030204" pitchFamily="18" charset="0"/>
+                                      <a:latin typeface="Cambria Math"/>
                                       <a:ea typeface="Cambria Math" panose="02040503050406030204" pitchFamily="18" charset="0"/>
                                     </a:rPr>
                                   </m:ctrlPr>
@@ -40888,7 +40888,7 @@
             </p:txBody>
           </p:sp>
         </mc:Choice>
-        <mc:Fallback>
+        <mc:Fallback xmlns="">
           <p:sp>
             <p:nvSpPr>
               <p:cNvPr id="6" name="TextBox 5"/>
@@ -40932,7 +40932,7 @@
           <p:cNvPr id="8" name="Прямоугольник 7">
             <a:extLst>
               <a:ext uri="{FF2B5EF4-FFF2-40B4-BE49-F238E27FC236}">
-                <a16:creationId xmlns:a16="http://schemas.microsoft.com/office/drawing/2014/main" id="{3E72078E-E6CE-46B9-B02C-4DDADA700C84}"/>
+                <a16:creationId xmlns:a16="http://schemas.microsoft.com/office/drawing/2014/main" xmlns="" id="{3E72078E-E6CE-46B9-B02C-4DDADA700C84}"/>
               </a:ext>
             </a:extLst>
           </p:cNvPr>
@@ -41539,7 +41539,7 @@
           <p:cNvPr id="9" name="TextBox 8">
             <a:extLst>
               <a:ext uri="{FF2B5EF4-FFF2-40B4-BE49-F238E27FC236}">
-                <a16:creationId xmlns:a16="http://schemas.microsoft.com/office/drawing/2014/main" id="{8BAE8232-12D8-4F69-9D01-76893AD30FB4}"/>
+                <a16:creationId xmlns:a16="http://schemas.microsoft.com/office/drawing/2014/main" xmlns="" id="{8BAE8232-12D8-4F69-9D01-76893AD30FB4}"/>
               </a:ext>
             </a:extLst>
           </p:cNvPr>
@@ -41600,7 +41600,7 @@
           <p:cNvPr id="17" name="TextBox 16">
             <a:extLst>
               <a:ext uri="{FF2B5EF4-FFF2-40B4-BE49-F238E27FC236}">
-                <a16:creationId xmlns:a16="http://schemas.microsoft.com/office/drawing/2014/main" id="{5DAA7244-2ADC-4C6F-B6B9-D14E3E6342D2}"/>
+                <a16:creationId xmlns:a16="http://schemas.microsoft.com/office/drawing/2014/main" xmlns="" id="{5DAA7244-2ADC-4C6F-B6B9-D14E3E6342D2}"/>
               </a:ext>
             </a:extLst>
           </p:cNvPr>
@@ -41643,7 +41643,7 @@
           <p:cNvPr id="18" name="TextBox 17">
             <a:extLst>
               <a:ext uri="{FF2B5EF4-FFF2-40B4-BE49-F238E27FC236}">
-                <a16:creationId xmlns:a16="http://schemas.microsoft.com/office/drawing/2014/main" id="{90AD1CB9-D622-4C7C-A0DB-F81087B2C796}"/>
+                <a16:creationId xmlns:a16="http://schemas.microsoft.com/office/drawing/2014/main" xmlns="" id="{90AD1CB9-D622-4C7C-A0DB-F81087B2C796}"/>
               </a:ext>
             </a:extLst>
           </p:cNvPr>
@@ -45289,7 +45289,7 @@
           <a:graphicData uri="http://schemas.openxmlformats.org/presentationml/2006/ole">
             <mc:AlternateContent xmlns:mc="http://schemas.openxmlformats.org/markup-compatibility/2006">
               <mc:Choice xmlns:v="urn:schemas-microsoft-com:vml" Requires="v">
-                <p:oleObj spid="_x0000_s4168" name="Equation" r:id="rId4" imgW="1650960" imgH="507960" progId="Equation.DSMT4">
+                <p:oleObj spid="_x0000_s4169" name="Equation" r:id="rId4" imgW="1650960" imgH="507960" progId="Equation.DSMT4">
                   <p:embed/>
                 </p:oleObj>
               </mc:Choice>
@@ -48806,7 +48806,7 @@
           <a:graphicData uri="http://schemas.openxmlformats.org/presentationml/2006/ole">
             <mc:AlternateContent xmlns:mc="http://schemas.openxmlformats.org/markup-compatibility/2006">
               <mc:Choice xmlns:v="urn:schemas-microsoft-com:vml" Requires="v">
-                <p:oleObj spid="_x0000_s5194" name="Equation" r:id="rId3" imgW="1650960" imgH="507960" progId="Equation.DSMT4">
+                <p:oleObj spid="_x0000_s5195" name="Equation" r:id="rId3" imgW="1650960" imgH="507960" progId="Equation.DSMT4">
                   <p:embed/>
                 </p:oleObj>
               </mc:Choice>
@@ -48878,7 +48878,7 @@
           <p:cNvPr id="6" name="Прямоугольник 5">
             <a:extLst>
               <a:ext uri="{FF2B5EF4-FFF2-40B4-BE49-F238E27FC236}">
-                <a16:creationId xmlns:a16="http://schemas.microsoft.com/office/drawing/2014/main" id="{B5D0028F-0351-4EB1-992E-650CDD4A6228}"/>
+                <a16:creationId xmlns:a16="http://schemas.microsoft.com/office/drawing/2014/main" xmlns="" id="{B5D0028F-0351-4EB1-992E-650CDD4A6228}"/>
               </a:ext>
             </a:extLst>
           </p:cNvPr>
@@ -52867,7 +52867,7 @@
           <a:graphicData uri="http://schemas.openxmlformats.org/presentationml/2006/ole">
             <mc:AlternateContent xmlns:mc="http://schemas.openxmlformats.org/markup-compatibility/2006">
               <mc:Choice xmlns:v="urn:schemas-microsoft-com:vml" Requires="v">
-                <p:oleObj spid="_x0000_s10263" name="Equation" r:id="rId3" imgW="1650960" imgH="507960" progId="Equation.DSMT4">
+                <p:oleObj spid="_x0000_s10264" name="Equation" r:id="rId3" imgW="1650960" imgH="507960" progId="Equation.DSMT4">
                   <p:embed/>
                 </p:oleObj>
               </mc:Choice>
@@ -52939,7 +52939,7 @@
           <p:cNvPr id="4" name="Прямоугольник 3">
             <a:extLst>
               <a:ext uri="{FF2B5EF4-FFF2-40B4-BE49-F238E27FC236}">
-                <a16:creationId xmlns:a16="http://schemas.microsoft.com/office/drawing/2014/main" id="{9D7D456C-6A21-4747-ADDF-463F69A22B11}"/>
+                <a16:creationId xmlns:a16="http://schemas.microsoft.com/office/drawing/2014/main" xmlns="" id="{9D7D456C-6A21-4747-ADDF-463F69A22B11}"/>
               </a:ext>
             </a:extLst>
           </p:cNvPr>
@@ -53533,7 +53533,7 @@
           <p:cNvPr id="8" name="TextBox 7">
             <a:extLst>
               <a:ext uri="{FF2B5EF4-FFF2-40B4-BE49-F238E27FC236}">
-                <a16:creationId xmlns:a16="http://schemas.microsoft.com/office/drawing/2014/main" id="{C41A82F2-CFCF-4B78-AA86-BC67399E3632}"/>
+                <a16:creationId xmlns:a16="http://schemas.microsoft.com/office/drawing/2014/main" xmlns="" id="{C41A82F2-CFCF-4B78-AA86-BC67399E3632}"/>
               </a:ext>
             </a:extLst>
           </p:cNvPr>
@@ -53930,7 +53930,7 @@
   <a:extraClrSchemeLst/>
   <a:extLst>
     <a:ext uri="{05A4C25C-085E-4340-85A3-A5531E510DB2}">
-      <thm15:themeFamily xmlns:thm15="http://schemas.microsoft.com/office/thememl/2012/main" name="Office Theme" id="{62F939B6-93AF-4DB8-9C6B-D6C7DFDC589F}" vid="{4A3C46E8-61CC-4603-A589-7422A47A8E4A}"/>
+      <thm15:themeFamily xmlns:thm15="http://schemas.microsoft.com/office/thememl/2012/main" xmlns="" name="Office Theme" id="{62F939B6-93AF-4DB8-9C6B-D6C7DFDC589F}" vid="{4A3C46E8-61CC-4603-A589-7422A47A8E4A}"/>
     </a:ext>
   </a:extLst>
 </a:theme>
@@ -54191,7 +54191,7 @@
   <a:extraClrSchemeLst/>
   <a:extLst>
     <a:ext uri="{05A4C25C-085E-4340-85A3-A5531E510DB2}">
-      <thm15:themeFamily xmlns:thm15="http://schemas.microsoft.com/office/thememl/2012/main" name="Office Theme" id="{62F939B6-93AF-4DB8-9C6B-D6C7DFDC589F}" vid="{4A3C46E8-61CC-4603-A589-7422A47A8E4A}"/>
+      <thm15:themeFamily xmlns:thm15="http://schemas.microsoft.com/office/thememl/2012/main" xmlns="" name="Office Theme" id="{62F939B6-93AF-4DB8-9C6B-D6C7DFDC589F}" vid="{4A3C46E8-61CC-4603-A589-7422A47A8E4A}"/>
     </a:ext>
   </a:extLst>
 </a:theme>
